--- a/mvccc_master.pptx
+++ b/mvccc_master.pptx
@@ -10,7 +10,7 @@
   <p:handoutMasterIdLst>
     <p:handoutMasterId r:id="rId3"/>
   </p:handoutMasterIdLst>
-  <p:sldSz cx="9144000" cy="6858000" type="screen4x3"/>
+  <p:sldSz cx="12192000" cy="6858000"/>
   <p:notesSz cx="6858000" cy="9144000"/>
   <p:defaultTextStyle>
     <a:defPPr>
@@ -145,7 +145,7 @@
             <a:srgbClr val="A4A3A4"/>
           </p15:clr>
         </p15:guide>
-        <p15:guide id="2" pos="2880" userDrawn="1">
+        <p15:guide id="2" pos="3840" userDrawn="1">
           <p15:clr>
             <a:srgbClr val="A4A3A4"/>
           </p15:clr>
@@ -477,8 +477,8 @@
         </p:nvSpPr>
         <p:spPr bwMode="auto">
           <a:xfrm>
-            <a:off x="1143000" y="685800"/>
-            <a:ext cx="4572000" cy="3429000"/>
+            <a:off x="381000" y="685800"/>
+            <a:ext cx="6096000" cy="3429000"/>
           </a:xfrm>
           <a:prstGeom prst="rect">
             <a:avLst/>
@@ -830,8 +830,8 @@
         </p:nvSpPr>
         <p:spPr>
           <a:xfrm>
-            <a:off x="571500" y="835403"/>
-            <a:ext cx="4972050" cy="4879597"/>
+            <a:off x="1371600" y="989201"/>
+            <a:ext cx="6019800" cy="4879597"/>
           </a:xfrm>
         </p:spPr>
         <p:txBody>
@@ -885,8 +885,8 @@
         </p:nvSpPr>
         <p:spPr>
           <a:xfrm>
-            <a:off x="5829300" y="835403"/>
-            <a:ext cx="2743200" cy="4879597"/>
+            <a:off x="7772400" y="609600"/>
+            <a:ext cx="3048000" cy="5562600"/>
           </a:xfrm>
         </p:spPr>
         <p:txBody>
@@ -955,8 +955,8 @@
         </p:nvSpPr>
         <p:spPr>
           <a:xfrm>
-            <a:off x="571500" y="1066800"/>
-            <a:ext cx="7810500" cy="4267200"/>
+            <a:off x="762000" y="1066800"/>
+            <a:ext cx="10414000" cy="4267200"/>
           </a:xfrm>
         </p:spPr>
         <p:txBody>
@@ -1095,8 +1095,8 @@
         </p:nvSpPr>
         <p:spPr>
           <a:xfrm>
-            <a:off x="304800" y="1828800"/>
-            <a:ext cx="8534400" cy="4724400"/>
+            <a:off x="406400" y="1828800"/>
+            <a:ext cx="11379200" cy="4724400"/>
           </a:xfrm>
         </p:spPr>
         <p:txBody>
@@ -1229,8 +1229,8 @@
         </p:nvSpPr>
         <p:spPr>
           <a:xfrm>
-            <a:off x="304800" y="1828800"/>
-            <a:ext cx="8534400" cy="4724400"/>
+            <a:off x="406400" y="1828800"/>
+            <a:ext cx="11379200" cy="4724400"/>
           </a:xfrm>
         </p:spPr>
         <p:txBody>
@@ -1335,8 +1335,8 @@
         </p:nvSpPr>
         <p:spPr>
           <a:xfrm>
-            <a:off x="304800" y="1828800"/>
-            <a:ext cx="8534400" cy="4724400"/>
+            <a:off x="406400" y="1828800"/>
+            <a:ext cx="11379200" cy="4724400"/>
           </a:xfrm>
         </p:spPr>
         <p:txBody>
@@ -1420,8 +1420,8 @@
         </p:nvSpPr>
         <p:spPr>
           <a:xfrm>
-            <a:off x="381000" y="1066800"/>
-            <a:ext cx="8305800" cy="4876800"/>
+            <a:off x="508000" y="1066800"/>
+            <a:ext cx="11074400" cy="4876800"/>
           </a:xfrm>
         </p:spPr>
         <p:txBody>
@@ -1502,8 +1502,8 @@
         </p:nvSpPr>
         <p:spPr>
           <a:xfrm>
-            <a:off x="685800" y="2362200"/>
-            <a:ext cx="7772400" cy="1323439"/>
+            <a:off x="914400" y="2362201"/>
+            <a:ext cx="10363200" cy="1323439"/>
           </a:xfrm>
         </p:spPr>
         <p:txBody>
@@ -1637,8 +1637,8 @@
         </p:nvGrpSpPr>
         <p:grpSpPr bwMode="auto">
           <a:xfrm>
-            <a:off x="2743081" y="2128839"/>
-            <a:ext cx="6392586" cy="4721225"/>
+            <a:off x="3657441" y="2128840"/>
+            <a:ext cx="8523448" cy="4721225"/>
             <a:chOff x="1728" y="1341"/>
             <a:chExt cx="4027" cy="2974"/>
           </a:xfrm>
@@ -4937,8 +4937,8 @@
         </p:nvSpPr>
         <p:spPr bwMode="auto">
           <a:xfrm>
-            <a:off x="457200" y="274638"/>
-            <a:ext cx="8229600" cy="1143000"/>
+            <a:off x="609600" y="274638"/>
+            <a:ext cx="10972800" cy="1143000"/>
           </a:xfrm>
           <a:prstGeom prst="rect">
             <a:avLst/>
@@ -4979,8 +4979,8 @@
         </p:nvSpPr>
         <p:spPr bwMode="auto">
           <a:xfrm>
-            <a:off x="251223" y="1722438"/>
-            <a:ext cx="8641556" cy="4906962"/>
+            <a:off x="334964" y="1722438"/>
+            <a:ext cx="11522075" cy="4906962"/>
           </a:xfrm>
           <a:prstGeom prst="rect">
             <a:avLst/>
